--- a/quickhull-presentation.pptx
+++ b/quickhull-presentation.pptx
@@ -7,11 +7,13 @@
   <p:sldIdLst>
     <p:sldId id="256" r:id="rId2"/>
     <p:sldId id="259" r:id="rId3"/>
-    <p:sldId id="258" r:id="rId4"/>
-    <p:sldId id="257" r:id="rId5"/>
-    <p:sldId id="260" r:id="rId6"/>
-    <p:sldId id="261" r:id="rId7"/>
-    <p:sldId id="262" r:id="rId8"/>
+    <p:sldId id="264" r:id="rId4"/>
+    <p:sldId id="258" r:id="rId5"/>
+    <p:sldId id="257" r:id="rId6"/>
+    <p:sldId id="260" r:id="rId7"/>
+    <p:sldId id="261" r:id="rId8"/>
+    <p:sldId id="262" r:id="rId9"/>
+    <p:sldId id="263" r:id="rId10"/>
   </p:sldIdLst>
   <p:sldSz cx="12192000" cy="6858000"/>
   <p:notesSz cx="6858000" cy="9144000"/>
@@ -6288,7 +6290,7 @@
           <p:cNvPr id="2" name="Title 1">
             <a:extLst>
               <a:ext uri="{FF2B5EF4-FFF2-40B4-BE49-F238E27FC236}">
-                <a16:creationId xmlns:a16="http://schemas.microsoft.com/office/drawing/2014/main" id="{88C109B5-E256-F09A-45D8-6D46607CE995}"/>
+                <a16:creationId xmlns:a16="http://schemas.microsoft.com/office/drawing/2014/main" id="{51318E75-67E3-E06A-6C08-31A60403B9CD}"/>
               </a:ext>
             </a:extLst>
           </p:cNvPr>
@@ -6313,7 +6315,7 @@
           <a:p>
             <a:r>
               <a:rPr lang="en-US" dirty="0"/>
-              <a:t>Preliminaries for the algorithm</a:t>
+              <a:t>Pseudo-code and workings of the algorithm</a:t>
             </a:r>
           </a:p>
         </p:txBody>
@@ -6376,35 +6378,6 @@
           </a:fontRef>
         </p:style>
       </p:sp>
-      <p:pic>
-        <p:nvPicPr>
-          <p:cNvPr id="5" name="Content Placeholder 4">
-            <a:extLst>
-              <a:ext uri="{FF2B5EF4-FFF2-40B4-BE49-F238E27FC236}">
-                <a16:creationId xmlns:a16="http://schemas.microsoft.com/office/drawing/2014/main" id="{B036D2AF-F24D-D65E-CDBF-D47860A88372}"/>
-              </a:ext>
-            </a:extLst>
-          </p:cNvPr>
-          <p:cNvPicPr>
-            <a:picLocks noGrp="1" noChangeAspect="1"/>
-          </p:cNvPicPr>
-          <p:nvPr>
-            <p:ph idx="1"/>
-          </p:nvPr>
-        </p:nvPicPr>
-        <p:blipFill>
-          <a:blip r:embed="rId2"/>
-          <a:stretch>
-            <a:fillRect/>
-          </a:stretch>
-        </p:blipFill>
-        <p:spPr>
-          <a:xfrm>
-            <a:off x="1587500" y="3755376"/>
-            <a:ext cx="4927600" cy="457200"/>
-          </a:xfrm>
-        </p:spPr>
-      </p:pic>
       <p:sp>
         <p:nvSpPr>
           <p:cNvPr id="12" name="Isosceles Triangle 11">
@@ -6465,10 +6438,40 @@
       </p:sp>
       <p:pic>
         <p:nvPicPr>
-          <p:cNvPr id="7" name="Picture 6" descr="A screen shot of a computer code&#10;&#10;Description automatically generated">
+          <p:cNvPr id="7" name="Picture 6" descr="A white paper with black text&#10;&#10;Description automatically generated">
             <a:extLst>
               <a:ext uri="{FF2B5EF4-FFF2-40B4-BE49-F238E27FC236}">
-                <a16:creationId xmlns:a16="http://schemas.microsoft.com/office/drawing/2014/main" id="{4A829CAC-7A72-161A-F548-BB91089DE4A9}"/>
+                <a16:creationId xmlns:a16="http://schemas.microsoft.com/office/drawing/2014/main" id="{861F57B1-03BF-81F1-32E9-77F5ABB4EED2}"/>
+              </a:ext>
+            </a:extLst>
+          </p:cNvPr>
+          <p:cNvPicPr>
+            <a:picLocks noChangeAspect="1"/>
+          </p:cNvPicPr>
+          <p:nvPr/>
+        </p:nvPicPr>
+        <p:blipFill>
+          <a:blip r:embed="rId2"/>
+          <a:stretch>
+            <a:fillRect/>
+          </a:stretch>
+        </p:blipFill>
+        <p:spPr>
+          <a:xfrm>
+            <a:off x="1187451" y="2540000"/>
+            <a:ext cx="4851400" cy="2527300"/>
+          </a:xfrm>
+          <a:prstGeom prst="rect">
+            <a:avLst/>
+          </a:prstGeom>
+        </p:spPr>
+      </p:pic>
+      <p:pic>
+        <p:nvPicPr>
+          <p:cNvPr id="11" name="Picture 10" descr="A screenshot of a computer&#10;&#10;Description automatically generated">
+            <a:extLst>
+              <a:ext uri="{FF2B5EF4-FFF2-40B4-BE49-F238E27FC236}">
+                <a16:creationId xmlns:a16="http://schemas.microsoft.com/office/drawing/2014/main" id="{EB8CE50C-1FEB-08C8-E958-DE26A08C85A9}"/>
               </a:ext>
             </a:extLst>
           </p:cNvPr>
@@ -6485,8 +6488,8 @@
         </p:blipFill>
         <p:spPr>
           <a:xfrm>
-            <a:off x="1587500" y="1781825"/>
-            <a:ext cx="4508500" cy="1320800"/>
+            <a:off x="6522509" y="2317750"/>
+            <a:ext cx="4737100" cy="2971800"/>
           </a:xfrm>
           <a:prstGeom prst="rect">
             <a:avLst/>
@@ -6496,7 +6499,7 @@
     </p:spTree>
     <p:extLst>
       <p:ext uri="{BB962C8B-B14F-4D97-AF65-F5344CB8AC3E}">
-        <p14:creationId xmlns:p14="http://schemas.microsoft.com/office/powerpoint/2010/main" val="2555166661"/>
+        <p14:creationId xmlns:p14="http://schemas.microsoft.com/office/powerpoint/2010/main" val="2341753316"/>
       </p:ext>
     </p:extLst>
   </p:cSld>
@@ -6596,7 +6599,7 @@
           <p:cNvPr id="2" name="Title 1">
             <a:extLst>
               <a:ext uri="{FF2B5EF4-FFF2-40B4-BE49-F238E27FC236}">
-                <a16:creationId xmlns:a16="http://schemas.microsoft.com/office/drawing/2014/main" id="{81B6967B-A1AD-5082-B481-E67461C0670B}"/>
+                <a16:creationId xmlns:a16="http://schemas.microsoft.com/office/drawing/2014/main" id="{88C109B5-E256-F09A-45D8-6D46607CE995}"/>
               </a:ext>
             </a:extLst>
           </p:cNvPr>
@@ -6621,7 +6624,7 @@
           <a:p>
             <a:r>
               <a:rPr lang="en-US" dirty="0"/>
-              <a:t>Functions used in the algorithm</a:t>
+              <a:t>Preliminaries for the algorithm</a:t>
             </a:r>
           </a:p>
         </p:txBody>
@@ -6689,7 +6692,7 @@
           <p:cNvPr id="5" name="Content Placeholder 4">
             <a:extLst>
               <a:ext uri="{FF2B5EF4-FFF2-40B4-BE49-F238E27FC236}">
-                <a16:creationId xmlns:a16="http://schemas.microsoft.com/office/drawing/2014/main" id="{CCB11E21-5D7F-2BD8-6843-A82D8D260F40}"/>
+                <a16:creationId xmlns:a16="http://schemas.microsoft.com/office/drawing/2014/main" id="{B036D2AF-F24D-D65E-CDBF-D47860A88372}"/>
               </a:ext>
             </a:extLst>
           </p:cNvPr>
@@ -6708,8 +6711,8 @@
         </p:blipFill>
         <p:spPr>
           <a:xfrm>
-            <a:off x="1394884" y="1508313"/>
-            <a:ext cx="8596313" cy="844174"/>
+            <a:off x="2006600" y="3937000"/>
+            <a:ext cx="4927600" cy="457200"/>
           </a:xfrm>
         </p:spPr>
       </p:pic>
@@ -6773,10 +6776,10 @@
       </p:sp>
       <p:pic>
         <p:nvPicPr>
-          <p:cNvPr id="7" name="Picture 6" descr="A screenshot of a computer&#10;&#10;Description automatically generated">
+          <p:cNvPr id="7" name="Picture 6" descr="A screen shot of a computer code&#10;&#10;Description automatically generated">
             <a:extLst>
               <a:ext uri="{FF2B5EF4-FFF2-40B4-BE49-F238E27FC236}">
-                <a16:creationId xmlns:a16="http://schemas.microsoft.com/office/drawing/2014/main" id="{A524D51A-529F-E7DE-B75C-E2327DE6F67E}"/>
+                <a16:creationId xmlns:a16="http://schemas.microsoft.com/office/drawing/2014/main" id="{4A829CAC-7A72-161A-F548-BB91089DE4A9}"/>
               </a:ext>
             </a:extLst>
           </p:cNvPr>
@@ -6793,14 +6796,292 @@
         </p:blipFill>
         <p:spPr>
           <a:xfrm>
-            <a:off x="1394529" y="2732593"/>
-            <a:ext cx="8953500" cy="1727200"/>
+            <a:off x="2006600" y="1930400"/>
+            <a:ext cx="4508500" cy="1320800"/>
           </a:xfrm>
           <a:prstGeom prst="rect">
             <a:avLst/>
           </a:prstGeom>
         </p:spPr>
       </p:pic>
+    </p:spTree>
+    <p:extLst>
+      <p:ext uri="{BB962C8B-B14F-4D97-AF65-F5344CB8AC3E}">
+        <p14:creationId xmlns:p14="http://schemas.microsoft.com/office/powerpoint/2010/main" val="2555166661"/>
+      </p:ext>
+    </p:extLst>
+  </p:cSld>
+  <p:clrMapOvr>
+    <a:masterClrMapping/>
+  </p:clrMapOvr>
+</p:sld>
+</file>
+
+<file path=ppt/slides/slide5.xml><?xml version="1.0" encoding="utf-8"?>
+<p:sld xmlns:a="http://schemas.openxmlformats.org/drawingml/2006/main" xmlns:r="http://schemas.openxmlformats.org/officeDocument/2006/relationships" xmlns:p="http://schemas.openxmlformats.org/presentationml/2006/main">
+  <p:cSld>
+    <p:bg>
+      <p:bgPr>
+        <a:solidFill>
+          <a:schemeClr val="bg1"/>
+        </a:solidFill>
+        <a:effectLst/>
+      </p:bgPr>
+    </p:bg>
+    <p:spTree>
+      <p:nvGrpSpPr>
+        <p:cNvPr id="1" name=""/>
+        <p:cNvGrpSpPr/>
+        <p:nvPr/>
+      </p:nvGrpSpPr>
+      <p:grpSpPr>
+        <a:xfrm>
+          <a:off x="0" y="0"/>
+          <a:ext cx="0" cy="0"/>
+          <a:chOff x="0" y="0"/>
+          <a:chExt cx="0" cy="0"/>
+        </a:xfrm>
+      </p:grpSpPr>
+      <p:sp useBgFill="1">
+        <p:nvSpPr>
+          <p:cNvPr id="8" name="Rectangle 7">
+            <a:extLst>
+              <a:ext uri="{FF2B5EF4-FFF2-40B4-BE49-F238E27FC236}">
+                <a16:creationId xmlns:a16="http://schemas.microsoft.com/office/drawing/2014/main" id="{E80B86A7-A1EC-475B-9166-88902B033A38}"/>
+              </a:ext>
+              <a:ext uri="{C183D7F6-B498-43B3-948B-1728B52AA6E4}">
+                <adec:decorative xmlns:adec="http://schemas.microsoft.com/office/drawing/2017/decorative" val="1"/>
+              </a:ext>
+            </a:extLst>
+          </p:cNvPr>
+          <p:cNvSpPr>
+            <a:spLocks noGrp="1" noRot="1" noChangeAspect="1" noMove="1" noResize="1" noEditPoints="1" noAdjustHandles="1" noChangeArrowheads="1" noChangeShapeType="1" noTextEdit="1"/>
+          </p:cNvSpPr>
+          <p:nvPr>
+            <p:extLst>
+              <p:ext uri="{386F3935-93C4-4BCD-93E2-E3B085C9AB24}">
+                <p16:designElem xmlns:p16="http://schemas.microsoft.com/office/powerpoint/2015/main" val="1"/>
+              </p:ext>
+            </p:extLst>
+          </p:nvPr>
+        </p:nvSpPr>
+        <p:spPr>
+          <a:xfrm>
+            <a:off x="0" y="0"/>
+            <a:ext cx="12192000" cy="6858000"/>
+          </a:xfrm>
+          <a:prstGeom prst="rect">
+            <a:avLst/>
+          </a:prstGeom>
+          <a:ln>
+            <a:noFill/>
+          </a:ln>
+        </p:spPr>
+        <p:style>
+          <a:lnRef idx="2">
+            <a:schemeClr val="accent1">
+              <a:shade val="50000"/>
+            </a:schemeClr>
+          </a:lnRef>
+          <a:fillRef idx="1">
+            <a:schemeClr val="accent1"/>
+          </a:fillRef>
+          <a:effectRef idx="0">
+            <a:schemeClr val="accent1"/>
+          </a:effectRef>
+          <a:fontRef idx="minor">
+            <a:schemeClr val="lt1"/>
+          </a:fontRef>
+        </p:style>
+        <p:txBody>
+          <a:bodyPr rtlCol="0" anchor="ctr"/>
+          <a:lstStyle/>
+          <a:p>
+            <a:pPr algn="ctr"/>
+            <a:endParaRPr lang="en-US"/>
+          </a:p>
+        </p:txBody>
+      </p:sp>
+      <p:sp>
+        <p:nvSpPr>
+          <p:cNvPr id="2" name="Title 1">
+            <a:extLst>
+              <a:ext uri="{FF2B5EF4-FFF2-40B4-BE49-F238E27FC236}">
+                <a16:creationId xmlns:a16="http://schemas.microsoft.com/office/drawing/2014/main" id="{81B6967B-A1AD-5082-B481-E67461C0670B}"/>
+              </a:ext>
+            </a:extLst>
+          </p:cNvPr>
+          <p:cNvSpPr>
+            <a:spLocks noGrp="1"/>
+          </p:cNvSpPr>
+          <p:nvPr>
+            <p:ph type="title"/>
+          </p:nvPr>
+        </p:nvSpPr>
+        <p:spPr>
+          <a:xfrm>
+            <a:off x="1333502" y="609600"/>
+            <a:ext cx="8596668" cy="1320800"/>
+          </a:xfrm>
+        </p:spPr>
+        <p:txBody>
+          <a:bodyPr>
+            <a:normAutofit/>
+          </a:bodyPr>
+          <a:lstStyle/>
+          <a:p>
+            <a:r>
+              <a:rPr lang="en-US" dirty="0"/>
+              <a:t>Functions used in the algorithm</a:t>
+            </a:r>
+          </a:p>
+        </p:txBody>
+      </p:sp>
+      <p:sp>
+        <p:nvSpPr>
+          <p:cNvPr id="10" name="Isosceles Triangle 9">
+            <a:extLst>
+              <a:ext uri="{FF2B5EF4-FFF2-40B4-BE49-F238E27FC236}">
+                <a16:creationId xmlns:a16="http://schemas.microsoft.com/office/drawing/2014/main" id="{C2C29CB1-9F74-4879-A6AF-AEA67B6F1F4D}"/>
+              </a:ext>
+              <a:ext uri="{C183D7F6-B498-43B3-948B-1728B52AA6E4}">
+                <adec:decorative xmlns:adec="http://schemas.microsoft.com/office/drawing/2017/decorative" val="1"/>
+              </a:ext>
+            </a:extLst>
+          </p:cNvPr>
+          <p:cNvSpPr>
+            <a:spLocks noGrp="1" noRot="1" noChangeAspect="1" noMove="1" noResize="1" noEditPoints="1" noAdjustHandles="1" noChangeArrowheads="1" noChangeShapeType="1" noTextEdit="1"/>
+          </p:cNvSpPr>
+          <p:nvPr>
+            <p:extLst>
+              <p:ext uri="{386F3935-93C4-4BCD-93E2-E3B085C9AB24}">
+                <p16:designElem xmlns:p16="http://schemas.microsoft.com/office/powerpoint/2015/main" val="1"/>
+              </p:ext>
+            </p:extLst>
+          </p:nvPr>
+        </p:nvSpPr>
+        <p:spPr>
+          <a:xfrm rot="10800000">
+            <a:off x="0" y="0"/>
+            <a:ext cx="842596" cy="5666154"/>
+          </a:xfrm>
+          <a:prstGeom prst="triangle">
+            <a:avLst>
+              <a:gd name="adj" fmla="val 100000"/>
+            </a:avLst>
+          </a:prstGeom>
+          <a:solidFill>
+            <a:schemeClr val="accent1">
+              <a:alpha val="85000"/>
+            </a:schemeClr>
+          </a:solidFill>
+          <a:ln>
+            <a:noFill/>
+          </a:ln>
+          <a:effectLst/>
+        </p:spPr>
+        <p:style>
+          <a:lnRef idx="1">
+            <a:schemeClr val="accent1"/>
+          </a:lnRef>
+          <a:fillRef idx="3">
+            <a:schemeClr val="accent1"/>
+          </a:fillRef>
+          <a:effectRef idx="2">
+            <a:schemeClr val="accent1"/>
+          </a:effectRef>
+          <a:fontRef idx="minor">
+            <a:schemeClr val="lt1"/>
+          </a:fontRef>
+        </p:style>
+      </p:sp>
+      <p:pic>
+        <p:nvPicPr>
+          <p:cNvPr id="5" name="Content Placeholder 4">
+            <a:extLst>
+              <a:ext uri="{FF2B5EF4-FFF2-40B4-BE49-F238E27FC236}">
+                <a16:creationId xmlns:a16="http://schemas.microsoft.com/office/drawing/2014/main" id="{CCB11E21-5D7F-2BD8-6843-A82D8D260F40}"/>
+              </a:ext>
+            </a:extLst>
+          </p:cNvPr>
+          <p:cNvPicPr>
+            <a:picLocks noGrp="1" noChangeAspect="1"/>
+          </p:cNvPicPr>
+          <p:nvPr>
+            <p:ph idx="1"/>
+          </p:nvPr>
+        </p:nvPicPr>
+        <p:blipFill>
+          <a:blip r:embed="rId2"/>
+          <a:stretch>
+            <a:fillRect/>
+          </a:stretch>
+        </p:blipFill>
+        <p:spPr>
+          <a:xfrm>
+            <a:off x="1394884" y="1508313"/>
+            <a:ext cx="8596313" cy="844174"/>
+          </a:xfrm>
+        </p:spPr>
+      </p:pic>
+      <p:sp>
+        <p:nvSpPr>
+          <p:cNvPr id="12" name="Isosceles Triangle 11">
+            <a:extLst>
+              <a:ext uri="{FF2B5EF4-FFF2-40B4-BE49-F238E27FC236}">
+                <a16:creationId xmlns:a16="http://schemas.microsoft.com/office/drawing/2014/main" id="{7E2C7115-5336-410C-AD71-0F0952A2E5A7}"/>
+              </a:ext>
+              <a:ext uri="{C183D7F6-B498-43B3-948B-1728B52AA6E4}">
+                <adec:decorative xmlns:adec="http://schemas.microsoft.com/office/drawing/2017/decorative" val="1"/>
+              </a:ext>
+            </a:extLst>
+          </p:cNvPr>
+          <p:cNvSpPr>
+            <a:spLocks noGrp="1" noRot="1" noChangeAspect="1" noMove="1" noResize="1" noEditPoints="1" noAdjustHandles="1" noChangeArrowheads="1" noChangeShapeType="1" noTextEdit="1"/>
+          </p:cNvSpPr>
+          <p:nvPr>
+            <p:extLst>
+              <p:ext uri="{386F3935-93C4-4BCD-93E2-E3B085C9AB24}">
+                <p16:designElem xmlns:p16="http://schemas.microsoft.com/office/powerpoint/2015/main" val="1"/>
+              </p:ext>
+            </p:extLst>
+          </p:nvPr>
+        </p:nvSpPr>
+        <p:spPr>
+          <a:xfrm flipH="1">
+            <a:off x="11743267" y="4013200"/>
+            <a:ext cx="448733" cy="2844800"/>
+          </a:xfrm>
+          <a:prstGeom prst="triangle">
+            <a:avLst>
+              <a:gd name="adj" fmla="val 0"/>
+            </a:avLst>
+          </a:prstGeom>
+          <a:solidFill>
+            <a:schemeClr val="accent1">
+              <a:alpha val="85000"/>
+            </a:schemeClr>
+          </a:solidFill>
+          <a:ln>
+            <a:noFill/>
+          </a:ln>
+          <a:effectLst/>
+        </p:spPr>
+        <p:style>
+          <a:lnRef idx="1">
+            <a:schemeClr val="accent1"/>
+          </a:lnRef>
+          <a:fillRef idx="3">
+            <a:schemeClr val="accent1"/>
+          </a:fillRef>
+          <a:effectRef idx="2">
+            <a:schemeClr val="accent1"/>
+          </a:effectRef>
+          <a:fontRef idx="minor">
+            <a:schemeClr val="lt1"/>
+          </a:fontRef>
+        </p:style>
+      </p:sp>
       <p:sp>
         <p:nvSpPr>
           <p:cNvPr id="13" name="Content Placeholder 2">
@@ -7060,6 +7341,36 @@
           </a:p>
         </p:txBody>
       </p:sp>
+      <p:pic>
+        <p:nvPicPr>
+          <p:cNvPr id="14" name="Picture 13" descr="A screenshot of a computer&#10;&#10;Description automatically generated">
+            <a:extLst>
+              <a:ext uri="{FF2B5EF4-FFF2-40B4-BE49-F238E27FC236}">
+                <a16:creationId xmlns:a16="http://schemas.microsoft.com/office/drawing/2014/main" id="{81A03353-94AE-3E9D-B994-D0FCBBC1F9E5}"/>
+              </a:ext>
+            </a:extLst>
+          </p:cNvPr>
+          <p:cNvPicPr>
+            <a:picLocks noChangeAspect="1"/>
+          </p:cNvPicPr>
+          <p:nvPr/>
+        </p:nvPicPr>
+        <p:blipFill>
+          <a:blip r:embed="rId3"/>
+          <a:stretch>
+            <a:fillRect/>
+          </a:stretch>
+        </p:blipFill>
+        <p:spPr>
+          <a:xfrm>
+            <a:off x="1394884" y="2984500"/>
+            <a:ext cx="8966200" cy="1752600"/>
+          </a:xfrm>
+          <a:prstGeom prst="rect">
+            <a:avLst/>
+          </a:prstGeom>
+        </p:spPr>
+      </p:pic>
     </p:spTree>
     <p:extLst>
       <p:ext uri="{BB962C8B-B14F-4D97-AF65-F5344CB8AC3E}">
@@ -7073,7 +7384,7 @@
 </p:sld>
 </file>
 
-<file path=ppt/slides/slide5.xml><?xml version="1.0" encoding="utf-8"?>
+<file path=ppt/slides/slide6.xml><?xml version="1.0" encoding="utf-8"?>
 <p:sld xmlns:a="http://schemas.openxmlformats.org/drawingml/2006/main" xmlns:r="http://schemas.openxmlformats.org/officeDocument/2006/relationships" xmlns:p="http://schemas.openxmlformats.org/presentationml/2006/main">
   <p:cSld>
     <p:bg>
@@ -7444,7 +7755,7 @@
 </p:sld>
 </file>
 
-<file path=ppt/slides/slide6.xml><?xml version="1.0" encoding="utf-8"?>
+<file path=ppt/slides/slide7.xml><?xml version="1.0" encoding="utf-8"?>
 <p:sld xmlns:a="http://schemas.openxmlformats.org/drawingml/2006/main" xmlns:r="http://schemas.openxmlformats.org/officeDocument/2006/relationships" xmlns:p="http://schemas.openxmlformats.org/presentationml/2006/main">
   <p:cSld>
     <p:bg>
@@ -7691,10 +8002,10 @@
       </p:sp>
       <p:pic>
         <p:nvPicPr>
-          <p:cNvPr id="11" name="Picture 10" descr="A screenshot of a computer code&#10;&#10;Description automatically generated">
+          <p:cNvPr id="14" name="Picture 13" descr="A graph of a number of points&#10;&#10;Description automatically generated">
             <a:extLst>
               <a:ext uri="{FF2B5EF4-FFF2-40B4-BE49-F238E27FC236}">
-                <a16:creationId xmlns:a16="http://schemas.microsoft.com/office/drawing/2014/main" id="{8585FEAD-5BFE-2C4B-8C11-FA0266AFEF03}"/>
+                <a16:creationId xmlns:a16="http://schemas.microsoft.com/office/drawing/2014/main" id="{91061976-0A85-496A-D826-6C67E3C34FD5}"/>
               </a:ext>
             </a:extLst>
           </p:cNvPr>
@@ -7711,8 +8022,8 @@
         </p:blipFill>
         <p:spPr>
           <a:xfrm>
-            <a:off x="1333502" y="1581150"/>
-            <a:ext cx="6116997" cy="4667250"/>
+            <a:off x="7308483" y="1930400"/>
+            <a:ext cx="4564185" cy="3042790"/>
           </a:xfrm>
           <a:prstGeom prst="rect">
             <a:avLst/>
@@ -7721,10 +8032,10 @@
       </p:pic>
       <p:pic>
         <p:nvPicPr>
-          <p:cNvPr id="14" name="Picture 13" descr="A graph of a number of points&#10;&#10;Description automatically generated">
+          <p:cNvPr id="16" name="Picture 15" descr="A screenshot of a computer code&#10;&#10;Description automatically generated">
             <a:extLst>
               <a:ext uri="{FF2B5EF4-FFF2-40B4-BE49-F238E27FC236}">
-                <a16:creationId xmlns:a16="http://schemas.microsoft.com/office/drawing/2014/main" id="{91061976-0A85-496A-D826-6C67E3C34FD5}"/>
+                <a16:creationId xmlns:a16="http://schemas.microsoft.com/office/drawing/2014/main" id="{6F17947A-83C4-6EF7-1F55-BC710EC0D3F4}"/>
               </a:ext>
             </a:extLst>
           </p:cNvPr>
@@ -7741,8 +8052,8 @@
         </p:blipFill>
         <p:spPr>
           <a:xfrm>
-            <a:off x="7687649" y="1410677"/>
-            <a:ext cx="4267200" cy="2844800"/>
+            <a:off x="1333502" y="1829924"/>
+            <a:ext cx="5655649" cy="4418476"/>
           </a:xfrm>
           <a:prstGeom prst="rect">
             <a:avLst/>
@@ -7762,7 +8073,7 @@
 </p:sld>
 </file>
 
-<file path=ppt/slides/slide7.xml><?xml version="1.0" encoding="utf-8"?>
+<file path=ppt/slides/slide8.xml><?xml version="1.0" encoding="utf-8"?>
 <p:sld xmlns:a="http://schemas.openxmlformats.org/drawingml/2006/main" xmlns:r="http://schemas.openxmlformats.org/officeDocument/2006/relationships" xmlns:p="http://schemas.openxmlformats.org/presentationml/2006/main">
   <p:cSld>
     <p:bg>
@@ -8104,6 +8415,880 @@
     <p:extLst>
       <p:ext uri="{BB962C8B-B14F-4D97-AF65-F5344CB8AC3E}">
         <p14:creationId xmlns:p14="http://schemas.microsoft.com/office/powerpoint/2010/main" val="2700918610"/>
+      </p:ext>
+    </p:extLst>
+  </p:cSld>
+  <p:clrMapOvr>
+    <a:masterClrMapping/>
+  </p:clrMapOvr>
+</p:sld>
+</file>
+
+<file path=ppt/slides/slide9.xml><?xml version="1.0" encoding="utf-8"?>
+<p:sld xmlns:a="http://schemas.openxmlformats.org/drawingml/2006/main" xmlns:r="http://schemas.openxmlformats.org/officeDocument/2006/relationships" xmlns:p="http://schemas.openxmlformats.org/presentationml/2006/main">
+  <p:cSld>
+    <p:bg>
+      <p:bgPr>
+        <a:solidFill>
+          <a:schemeClr val="bg1"/>
+        </a:solidFill>
+        <a:effectLst/>
+      </p:bgPr>
+    </p:bg>
+    <p:spTree>
+      <p:nvGrpSpPr>
+        <p:cNvPr id="1" name=""/>
+        <p:cNvGrpSpPr/>
+        <p:nvPr/>
+      </p:nvGrpSpPr>
+      <p:grpSpPr>
+        <a:xfrm>
+          <a:off x="0" y="0"/>
+          <a:ext cx="0" cy="0"/>
+          <a:chOff x="0" y="0"/>
+          <a:chExt cx="0" cy="0"/>
+        </a:xfrm>
+      </p:grpSpPr>
+      <p:grpSp>
+        <p:nvGrpSpPr>
+          <p:cNvPr id="19" name="Group 18">
+            <a:extLst>
+              <a:ext uri="{FF2B5EF4-FFF2-40B4-BE49-F238E27FC236}">
+                <a16:creationId xmlns:a16="http://schemas.microsoft.com/office/drawing/2014/main" id="{B4DE830A-B531-4A3B-96F6-0ECE88B08555}"/>
+              </a:ext>
+              <a:ext uri="{C183D7F6-B498-43B3-948B-1728B52AA6E4}">
+                <adec:decorative xmlns:adec="http://schemas.microsoft.com/office/drawing/2017/decorative" val="1"/>
+              </a:ext>
+            </a:extLst>
+          </p:cNvPr>
+          <p:cNvGrpSpPr>
+            <a:grpSpLocks noGrp="1" noUngrp="1" noRot="1" noChangeAspect="1" noMove="1" noResize="1"/>
+          </p:cNvGrpSpPr>
+          <p:nvPr>
+            <p:extLst>
+              <p:ext uri="{386F3935-93C4-4BCD-93E2-E3B085C9AB24}">
+                <p16:designElem xmlns:p16="http://schemas.microsoft.com/office/powerpoint/2015/main" val="1"/>
+              </p:ext>
+            </p:extLst>
+          </p:nvPr>
+        </p:nvGrpSpPr>
+        <p:grpSpPr>
+          <a:xfrm>
+            <a:off x="0" y="-8467"/>
+            <a:ext cx="12192000" cy="6866467"/>
+            <a:chOff x="0" y="-8467"/>
+            <a:chExt cx="12192000" cy="6866467"/>
+          </a:xfrm>
+        </p:grpSpPr>
+        <p:cxnSp>
+          <p:nvCxnSpPr>
+            <p:cNvPr id="20" name="Straight Connector 19">
+              <a:extLst>
+                <a:ext uri="{FF2B5EF4-FFF2-40B4-BE49-F238E27FC236}">
+                  <a16:creationId xmlns:a16="http://schemas.microsoft.com/office/drawing/2014/main" id="{2813DF2C-461A-4A8F-9679-A172790D1F3A}"/>
+                </a:ext>
+                <a:ext uri="{C183D7F6-B498-43B3-948B-1728B52AA6E4}">
+                  <adec:decorative xmlns:adec="http://schemas.microsoft.com/office/drawing/2017/decorative" val="1"/>
+                </a:ext>
+              </a:extLst>
+            </p:cNvPr>
+            <p:cNvCxnSpPr/>
+            <p:nvPr>
+              <p:extLst>
+                <p:ext uri="{386F3935-93C4-4BCD-93E2-E3B085C9AB24}">
+                  <p16:designElem xmlns:p16="http://schemas.microsoft.com/office/powerpoint/2015/main" val="1"/>
+                </p:ext>
+              </p:extLst>
+            </p:nvPr>
+          </p:nvCxnSpPr>
+          <p:spPr>
+            <a:xfrm>
+              <a:off x="9371012" y="0"/>
+              <a:ext cx="1219200" cy="6858000"/>
+            </a:xfrm>
+            <a:prstGeom prst="line">
+              <a:avLst/>
+            </a:prstGeom>
+            <a:ln w="9525">
+              <a:solidFill>
+                <a:schemeClr val="bg1">
+                  <a:lumMod val="75000"/>
+                </a:schemeClr>
+              </a:solidFill>
+            </a:ln>
+          </p:spPr>
+          <p:style>
+            <a:lnRef idx="2">
+              <a:schemeClr val="accent1"/>
+            </a:lnRef>
+            <a:fillRef idx="0">
+              <a:schemeClr val="accent1"/>
+            </a:fillRef>
+            <a:effectRef idx="1">
+              <a:schemeClr val="accent1"/>
+            </a:effectRef>
+            <a:fontRef idx="minor">
+              <a:schemeClr val="tx1"/>
+            </a:fontRef>
+          </p:style>
+        </p:cxnSp>
+        <p:cxnSp>
+          <p:nvCxnSpPr>
+            <p:cNvPr id="21" name="Straight Connector 20">
+              <a:extLst>
+                <a:ext uri="{FF2B5EF4-FFF2-40B4-BE49-F238E27FC236}">
+                  <a16:creationId xmlns:a16="http://schemas.microsoft.com/office/drawing/2014/main" id="{54CD3A85-C039-4249-86E4-1EB9318B5495}"/>
+                </a:ext>
+                <a:ext uri="{C183D7F6-B498-43B3-948B-1728B52AA6E4}">
+                  <adec:decorative xmlns:adec="http://schemas.microsoft.com/office/drawing/2017/decorative" val="1"/>
+                </a:ext>
+              </a:extLst>
+            </p:cNvPr>
+            <p:cNvCxnSpPr/>
+            <p:nvPr>
+              <p:extLst>
+                <p:ext uri="{386F3935-93C4-4BCD-93E2-E3B085C9AB24}">
+                  <p16:designElem xmlns:p16="http://schemas.microsoft.com/office/powerpoint/2015/main" val="1"/>
+                </p:ext>
+              </p:extLst>
+            </p:nvPr>
+          </p:nvCxnSpPr>
+          <p:spPr>
+            <a:xfrm flipH="1">
+              <a:off x="7425267" y="3681413"/>
+              <a:ext cx="4763558" cy="3176587"/>
+            </a:xfrm>
+            <a:prstGeom prst="line">
+              <a:avLst/>
+            </a:prstGeom>
+            <a:ln w="9525">
+              <a:solidFill>
+                <a:schemeClr val="bg1">
+                  <a:lumMod val="85000"/>
+                </a:schemeClr>
+              </a:solidFill>
+            </a:ln>
+          </p:spPr>
+          <p:style>
+            <a:lnRef idx="2">
+              <a:schemeClr val="accent1"/>
+            </a:lnRef>
+            <a:fillRef idx="0">
+              <a:schemeClr val="accent1"/>
+            </a:fillRef>
+            <a:effectRef idx="1">
+              <a:schemeClr val="accent1"/>
+            </a:effectRef>
+            <a:fontRef idx="minor">
+              <a:schemeClr val="tx1"/>
+            </a:fontRef>
+          </p:style>
+        </p:cxnSp>
+        <p:sp>
+          <p:nvSpPr>
+            <p:cNvPr id="22" name="Rectangle 23">
+              <a:extLst>
+                <a:ext uri="{FF2B5EF4-FFF2-40B4-BE49-F238E27FC236}">
+                  <a16:creationId xmlns:a16="http://schemas.microsoft.com/office/drawing/2014/main" id="{887EA6D2-2883-42C2-993D-094CA6D65DA3}"/>
+                </a:ext>
+                <a:ext uri="{C183D7F6-B498-43B3-948B-1728B52AA6E4}">
+                  <adec:decorative xmlns:adec="http://schemas.microsoft.com/office/drawing/2017/decorative" val="1"/>
+                </a:ext>
+              </a:extLst>
+            </p:cNvPr>
+            <p:cNvSpPr/>
+            <p:nvPr>
+              <p:extLst>
+                <p:ext uri="{386F3935-93C4-4BCD-93E2-E3B085C9AB24}">
+                  <p16:designElem xmlns:p16="http://schemas.microsoft.com/office/powerpoint/2015/main" val="1"/>
+                </p:ext>
+              </p:extLst>
+            </p:nvPr>
+          </p:nvSpPr>
+          <p:spPr>
+            <a:xfrm>
+              <a:off x="9181476" y="-8467"/>
+              <a:ext cx="3007349" cy="6866467"/>
+            </a:xfrm>
+            <a:custGeom>
+              <a:avLst/>
+              <a:gdLst/>
+              <a:ahLst/>
+              <a:cxnLst/>
+              <a:rect l="l" t="t" r="r" b="b"/>
+              <a:pathLst>
+                <a:path w="3007349" h="6866467">
+                  <a:moveTo>
+                    <a:pt x="2045532" y="0"/>
+                  </a:moveTo>
+                  <a:lnTo>
+                    <a:pt x="3007349" y="0"/>
+                  </a:lnTo>
+                  <a:lnTo>
+                    <a:pt x="3007349" y="6866467"/>
+                  </a:lnTo>
+                  <a:lnTo>
+                    <a:pt x="0" y="6866467"/>
+                  </a:lnTo>
+                  <a:lnTo>
+                    <a:pt x="2045532" y="0"/>
+                  </a:lnTo>
+                  <a:close/>
+                </a:path>
+              </a:pathLst>
+            </a:custGeom>
+            <a:solidFill>
+              <a:schemeClr val="accent1">
+                <a:alpha val="30000"/>
+              </a:schemeClr>
+            </a:solidFill>
+            <a:ln>
+              <a:noFill/>
+            </a:ln>
+            <a:effectLst/>
+          </p:spPr>
+          <p:style>
+            <a:lnRef idx="1">
+              <a:schemeClr val="accent1"/>
+            </a:lnRef>
+            <a:fillRef idx="3">
+              <a:schemeClr val="accent1"/>
+            </a:fillRef>
+            <a:effectRef idx="2">
+              <a:schemeClr val="accent1"/>
+            </a:effectRef>
+            <a:fontRef idx="minor">
+              <a:schemeClr val="lt1"/>
+            </a:fontRef>
+          </p:style>
+        </p:sp>
+        <p:sp>
+          <p:nvSpPr>
+            <p:cNvPr id="23" name="Rectangle 25">
+              <a:extLst>
+                <a:ext uri="{FF2B5EF4-FFF2-40B4-BE49-F238E27FC236}">
+                  <a16:creationId xmlns:a16="http://schemas.microsoft.com/office/drawing/2014/main" id="{3B895046-636F-4D1B-ACA4-29AA0CB3329F}"/>
+                </a:ext>
+                <a:ext uri="{C183D7F6-B498-43B3-948B-1728B52AA6E4}">
+                  <adec:decorative xmlns:adec="http://schemas.microsoft.com/office/drawing/2017/decorative" val="1"/>
+                </a:ext>
+              </a:extLst>
+            </p:cNvPr>
+            <p:cNvSpPr/>
+            <p:nvPr>
+              <p:extLst>
+                <p:ext uri="{386F3935-93C4-4BCD-93E2-E3B085C9AB24}">
+                  <p16:designElem xmlns:p16="http://schemas.microsoft.com/office/powerpoint/2015/main" val="1"/>
+                </p:ext>
+              </p:extLst>
+            </p:nvPr>
+          </p:nvSpPr>
+          <p:spPr>
+            <a:xfrm>
+              <a:off x="9603442" y="-8467"/>
+              <a:ext cx="2588558" cy="6866467"/>
+            </a:xfrm>
+            <a:custGeom>
+              <a:avLst/>
+              <a:gdLst/>
+              <a:ahLst/>
+              <a:cxnLst/>
+              <a:rect l="l" t="t" r="r" b="b"/>
+              <a:pathLst>
+                <a:path w="2573311" h="6866467">
+                  <a:moveTo>
+                    <a:pt x="0" y="0"/>
+                  </a:moveTo>
+                  <a:lnTo>
+                    <a:pt x="2573311" y="0"/>
+                  </a:lnTo>
+                  <a:lnTo>
+                    <a:pt x="2573311" y="6866467"/>
+                  </a:lnTo>
+                  <a:lnTo>
+                    <a:pt x="1202336" y="6866467"/>
+                  </a:lnTo>
+                  <a:lnTo>
+                    <a:pt x="0" y="0"/>
+                  </a:lnTo>
+                  <a:close/>
+                </a:path>
+              </a:pathLst>
+            </a:custGeom>
+            <a:solidFill>
+              <a:schemeClr val="accent1">
+                <a:alpha val="20000"/>
+              </a:schemeClr>
+            </a:solidFill>
+            <a:ln>
+              <a:noFill/>
+            </a:ln>
+            <a:effectLst/>
+          </p:spPr>
+          <p:style>
+            <a:lnRef idx="1">
+              <a:schemeClr val="accent1"/>
+            </a:lnRef>
+            <a:fillRef idx="3">
+              <a:schemeClr val="accent1"/>
+            </a:fillRef>
+            <a:effectRef idx="2">
+              <a:schemeClr val="accent1"/>
+            </a:effectRef>
+            <a:fontRef idx="minor">
+              <a:schemeClr val="lt1"/>
+            </a:fontRef>
+          </p:style>
+        </p:sp>
+        <p:sp>
+          <p:nvSpPr>
+            <p:cNvPr id="24" name="Isosceles Triangle 23">
+              <a:extLst>
+                <a:ext uri="{FF2B5EF4-FFF2-40B4-BE49-F238E27FC236}">
+                  <a16:creationId xmlns:a16="http://schemas.microsoft.com/office/drawing/2014/main" id="{C6B0CDE3-E054-4EDD-A43B-F96843D8BF51}"/>
+                </a:ext>
+                <a:ext uri="{C183D7F6-B498-43B3-948B-1728B52AA6E4}">
+                  <adec:decorative xmlns:adec="http://schemas.microsoft.com/office/drawing/2017/decorative" val="1"/>
+                </a:ext>
+              </a:extLst>
+            </p:cNvPr>
+            <p:cNvSpPr/>
+            <p:nvPr>
+              <p:extLst>
+                <p:ext uri="{386F3935-93C4-4BCD-93E2-E3B085C9AB24}">
+                  <p16:designElem xmlns:p16="http://schemas.microsoft.com/office/powerpoint/2015/main" val="1"/>
+                </p:ext>
+              </p:extLst>
+            </p:nvPr>
+          </p:nvSpPr>
+          <p:spPr>
+            <a:xfrm>
+              <a:off x="8932333" y="3048000"/>
+              <a:ext cx="3259667" cy="3810000"/>
+            </a:xfrm>
+            <a:prstGeom prst="triangle">
+              <a:avLst>
+                <a:gd name="adj" fmla="val 100000"/>
+              </a:avLst>
+            </a:prstGeom>
+            <a:solidFill>
+              <a:schemeClr val="accent2">
+                <a:alpha val="72000"/>
+              </a:schemeClr>
+            </a:solidFill>
+            <a:ln>
+              <a:noFill/>
+            </a:ln>
+            <a:effectLst/>
+          </p:spPr>
+          <p:style>
+            <a:lnRef idx="1">
+              <a:schemeClr val="accent1"/>
+            </a:lnRef>
+            <a:fillRef idx="3">
+              <a:schemeClr val="accent1"/>
+            </a:fillRef>
+            <a:effectRef idx="2">
+              <a:schemeClr val="accent1"/>
+            </a:effectRef>
+            <a:fontRef idx="minor">
+              <a:schemeClr val="lt1"/>
+            </a:fontRef>
+          </p:style>
+        </p:sp>
+        <p:sp>
+          <p:nvSpPr>
+            <p:cNvPr id="25" name="Rectangle 27">
+              <a:extLst>
+                <a:ext uri="{FF2B5EF4-FFF2-40B4-BE49-F238E27FC236}">
+                  <a16:creationId xmlns:a16="http://schemas.microsoft.com/office/drawing/2014/main" id="{3B66B1A2-F145-4C9B-85CC-4BF30D58CBC5}"/>
+                </a:ext>
+                <a:ext uri="{C183D7F6-B498-43B3-948B-1728B52AA6E4}">
+                  <adec:decorative xmlns:adec="http://schemas.microsoft.com/office/drawing/2017/decorative" val="1"/>
+                </a:ext>
+              </a:extLst>
+            </p:cNvPr>
+            <p:cNvSpPr/>
+            <p:nvPr>
+              <p:extLst>
+                <p:ext uri="{386F3935-93C4-4BCD-93E2-E3B085C9AB24}">
+                  <p16:designElem xmlns:p16="http://schemas.microsoft.com/office/powerpoint/2015/main" val="1"/>
+                </p:ext>
+              </p:extLst>
+            </p:nvPr>
+          </p:nvSpPr>
+          <p:spPr>
+            <a:xfrm>
+              <a:off x="9334500" y="-8467"/>
+              <a:ext cx="2854326" cy="6866467"/>
+            </a:xfrm>
+            <a:custGeom>
+              <a:avLst/>
+              <a:gdLst/>
+              <a:ahLst/>
+              <a:cxnLst/>
+              <a:rect l="l" t="t" r="r" b="b"/>
+              <a:pathLst>
+                <a:path w="2858013" h="6866467">
+                  <a:moveTo>
+                    <a:pt x="0" y="0"/>
+                  </a:moveTo>
+                  <a:lnTo>
+                    <a:pt x="2858013" y="0"/>
+                  </a:lnTo>
+                  <a:lnTo>
+                    <a:pt x="2858013" y="6866467"/>
+                  </a:lnTo>
+                  <a:lnTo>
+                    <a:pt x="2473942" y="6866467"/>
+                  </a:lnTo>
+                  <a:lnTo>
+                    <a:pt x="0" y="0"/>
+                  </a:lnTo>
+                  <a:close/>
+                </a:path>
+              </a:pathLst>
+            </a:custGeom>
+            <a:solidFill>
+              <a:schemeClr val="accent2">
+                <a:lumMod val="75000"/>
+                <a:alpha val="70000"/>
+              </a:schemeClr>
+            </a:solidFill>
+            <a:ln>
+              <a:noFill/>
+            </a:ln>
+            <a:effectLst/>
+          </p:spPr>
+          <p:style>
+            <a:lnRef idx="1">
+              <a:schemeClr val="accent1"/>
+            </a:lnRef>
+            <a:fillRef idx="3">
+              <a:schemeClr val="accent1"/>
+            </a:fillRef>
+            <a:effectRef idx="2">
+              <a:schemeClr val="accent1"/>
+            </a:effectRef>
+            <a:fontRef idx="minor">
+              <a:schemeClr val="lt1"/>
+            </a:fontRef>
+          </p:style>
+        </p:sp>
+        <p:sp>
+          <p:nvSpPr>
+            <p:cNvPr id="26" name="Rectangle 28">
+              <a:extLst>
+                <a:ext uri="{FF2B5EF4-FFF2-40B4-BE49-F238E27FC236}">
+                  <a16:creationId xmlns:a16="http://schemas.microsoft.com/office/drawing/2014/main" id="{5D4FC972-94B3-4035-8D31-E668C132B411}"/>
+                </a:ext>
+                <a:ext uri="{C183D7F6-B498-43B3-948B-1728B52AA6E4}">
+                  <adec:decorative xmlns:adec="http://schemas.microsoft.com/office/drawing/2017/decorative" val="1"/>
+                </a:ext>
+              </a:extLst>
+            </p:cNvPr>
+            <p:cNvSpPr/>
+            <p:nvPr>
+              <p:extLst>
+                <p:ext uri="{386F3935-93C4-4BCD-93E2-E3B085C9AB24}">
+                  <p16:designElem xmlns:p16="http://schemas.microsoft.com/office/powerpoint/2015/main" val="1"/>
+                </p:ext>
+              </p:extLst>
+            </p:nvPr>
+          </p:nvSpPr>
+          <p:spPr>
+            <a:xfrm>
+              <a:off x="10898730" y="-8467"/>
+              <a:ext cx="1290094" cy="6866467"/>
+            </a:xfrm>
+            <a:custGeom>
+              <a:avLst/>
+              <a:gdLst/>
+              <a:ahLst/>
+              <a:cxnLst/>
+              <a:rect l="l" t="t" r="r" b="b"/>
+              <a:pathLst>
+                <a:path w="1290094" h="6858000">
+                  <a:moveTo>
+                    <a:pt x="1019735" y="0"/>
+                  </a:moveTo>
+                  <a:lnTo>
+                    <a:pt x="1290094" y="0"/>
+                  </a:lnTo>
+                  <a:lnTo>
+                    <a:pt x="1290094" y="6858000"/>
+                  </a:lnTo>
+                  <a:lnTo>
+                    <a:pt x="0" y="6858000"/>
+                  </a:lnTo>
+                  <a:lnTo>
+                    <a:pt x="1019735" y="0"/>
+                  </a:lnTo>
+                  <a:close/>
+                </a:path>
+              </a:pathLst>
+            </a:custGeom>
+            <a:solidFill>
+              <a:schemeClr val="accent1">
+                <a:lumMod val="60000"/>
+                <a:lumOff val="40000"/>
+                <a:alpha val="70000"/>
+              </a:schemeClr>
+            </a:solidFill>
+            <a:ln>
+              <a:noFill/>
+            </a:ln>
+            <a:effectLst/>
+          </p:spPr>
+          <p:style>
+            <a:lnRef idx="1">
+              <a:schemeClr val="accent1"/>
+            </a:lnRef>
+            <a:fillRef idx="3">
+              <a:schemeClr val="accent1"/>
+            </a:fillRef>
+            <a:effectRef idx="2">
+              <a:schemeClr val="accent1"/>
+            </a:effectRef>
+            <a:fontRef idx="minor">
+              <a:schemeClr val="lt1"/>
+            </a:fontRef>
+          </p:style>
+        </p:sp>
+        <p:sp>
+          <p:nvSpPr>
+            <p:cNvPr id="27" name="Rectangle 29">
+              <a:extLst>
+                <a:ext uri="{FF2B5EF4-FFF2-40B4-BE49-F238E27FC236}">
+                  <a16:creationId xmlns:a16="http://schemas.microsoft.com/office/drawing/2014/main" id="{374B9941-AFBE-4A77-A50E-B6EA04A746AE}"/>
+                </a:ext>
+                <a:ext uri="{C183D7F6-B498-43B3-948B-1728B52AA6E4}">
+                  <adec:decorative xmlns:adec="http://schemas.microsoft.com/office/drawing/2017/decorative" val="1"/>
+                </a:ext>
+              </a:extLst>
+            </p:cNvPr>
+            <p:cNvSpPr/>
+            <p:nvPr>
+              <p:extLst>
+                <p:ext uri="{386F3935-93C4-4BCD-93E2-E3B085C9AB24}">
+                  <p16:designElem xmlns:p16="http://schemas.microsoft.com/office/powerpoint/2015/main" val="1"/>
+                </p:ext>
+              </p:extLst>
+            </p:nvPr>
+          </p:nvSpPr>
+          <p:spPr>
+            <a:xfrm>
+              <a:off x="10938999" y="-8467"/>
+              <a:ext cx="1249825" cy="6866467"/>
+            </a:xfrm>
+            <a:custGeom>
+              <a:avLst/>
+              <a:gdLst/>
+              <a:ahLst/>
+              <a:cxnLst/>
+              <a:rect l="l" t="t" r="r" b="b"/>
+              <a:pathLst>
+                <a:path w="1249825" h="6858000">
+                  <a:moveTo>
+                    <a:pt x="0" y="0"/>
+                  </a:moveTo>
+                  <a:lnTo>
+                    <a:pt x="1249825" y="0"/>
+                  </a:lnTo>
+                  <a:lnTo>
+                    <a:pt x="1249825" y="6858000"/>
+                  </a:lnTo>
+                  <a:lnTo>
+                    <a:pt x="1109382" y="6858000"/>
+                  </a:lnTo>
+                  <a:lnTo>
+                    <a:pt x="0" y="0"/>
+                  </a:lnTo>
+                  <a:close/>
+                </a:path>
+              </a:pathLst>
+            </a:custGeom>
+            <a:solidFill>
+              <a:schemeClr val="accent1">
+                <a:alpha val="65000"/>
+              </a:schemeClr>
+            </a:solidFill>
+            <a:ln>
+              <a:noFill/>
+            </a:ln>
+            <a:effectLst/>
+          </p:spPr>
+          <p:style>
+            <a:lnRef idx="1">
+              <a:schemeClr val="accent1"/>
+            </a:lnRef>
+            <a:fillRef idx="3">
+              <a:schemeClr val="accent1"/>
+            </a:fillRef>
+            <a:effectRef idx="2">
+              <a:schemeClr val="accent1"/>
+            </a:effectRef>
+            <a:fontRef idx="minor">
+              <a:schemeClr val="lt1"/>
+            </a:fontRef>
+          </p:style>
+        </p:sp>
+        <p:sp>
+          <p:nvSpPr>
+            <p:cNvPr id="28" name="Isosceles Triangle 27">
+              <a:extLst>
+                <a:ext uri="{FF2B5EF4-FFF2-40B4-BE49-F238E27FC236}">
+                  <a16:creationId xmlns:a16="http://schemas.microsoft.com/office/drawing/2014/main" id="{27A982C5-2C38-4CE9-BC18-94697AD657FB}"/>
+                </a:ext>
+                <a:ext uri="{C183D7F6-B498-43B3-948B-1728B52AA6E4}">
+                  <adec:decorative xmlns:adec="http://schemas.microsoft.com/office/drawing/2017/decorative" val="1"/>
+                </a:ext>
+              </a:extLst>
+            </p:cNvPr>
+            <p:cNvSpPr/>
+            <p:nvPr>
+              <p:extLst>
+                <p:ext uri="{386F3935-93C4-4BCD-93E2-E3B085C9AB24}">
+                  <p16:designElem xmlns:p16="http://schemas.microsoft.com/office/powerpoint/2015/main" val="1"/>
+                </p:ext>
+              </p:extLst>
+            </p:nvPr>
+          </p:nvSpPr>
+          <p:spPr>
+            <a:xfrm>
+              <a:off x="10371666" y="3589867"/>
+              <a:ext cx="1817159" cy="3268133"/>
+            </a:xfrm>
+            <a:prstGeom prst="triangle">
+              <a:avLst>
+                <a:gd name="adj" fmla="val 100000"/>
+              </a:avLst>
+            </a:prstGeom>
+            <a:solidFill>
+              <a:schemeClr val="accent1">
+                <a:alpha val="80000"/>
+              </a:schemeClr>
+            </a:solidFill>
+            <a:ln>
+              <a:noFill/>
+            </a:ln>
+            <a:effectLst/>
+          </p:spPr>
+          <p:style>
+            <a:lnRef idx="1">
+              <a:schemeClr val="accent1"/>
+            </a:lnRef>
+            <a:fillRef idx="3">
+              <a:schemeClr val="accent1"/>
+            </a:fillRef>
+            <a:effectRef idx="2">
+              <a:schemeClr val="accent1"/>
+            </a:effectRef>
+            <a:fontRef idx="minor">
+              <a:schemeClr val="lt1"/>
+            </a:fontRef>
+          </p:style>
+        </p:sp>
+        <p:sp>
+          <p:nvSpPr>
+            <p:cNvPr id="29" name="Isosceles Triangle 28">
+              <a:extLst>
+                <a:ext uri="{FF2B5EF4-FFF2-40B4-BE49-F238E27FC236}">
+                  <a16:creationId xmlns:a16="http://schemas.microsoft.com/office/drawing/2014/main" id="{0060D8D1-7BB1-498F-AFBB-ADAC130A9E90}"/>
+                </a:ext>
+                <a:ext uri="{C183D7F6-B498-43B3-948B-1728B52AA6E4}">
+                  <adec:decorative xmlns:adec="http://schemas.microsoft.com/office/drawing/2017/decorative" val="1"/>
+                </a:ext>
+              </a:extLst>
+            </p:cNvPr>
+            <p:cNvSpPr/>
+            <p:nvPr>
+              <p:extLst>
+                <p:ext uri="{386F3935-93C4-4BCD-93E2-E3B085C9AB24}">
+                  <p16:designElem xmlns:p16="http://schemas.microsoft.com/office/powerpoint/2015/main" val="1"/>
+                </p:ext>
+              </p:extLst>
+            </p:nvPr>
+          </p:nvSpPr>
+          <p:spPr>
+            <a:xfrm rot="10800000">
+              <a:off x="0" y="0"/>
+              <a:ext cx="842596" cy="5666154"/>
+            </a:xfrm>
+            <a:prstGeom prst="triangle">
+              <a:avLst>
+                <a:gd name="adj" fmla="val 100000"/>
+              </a:avLst>
+            </a:prstGeom>
+            <a:solidFill>
+              <a:schemeClr val="accent1">
+                <a:alpha val="85000"/>
+              </a:schemeClr>
+            </a:solidFill>
+            <a:ln>
+              <a:noFill/>
+            </a:ln>
+            <a:effectLst/>
+          </p:spPr>
+          <p:style>
+            <a:lnRef idx="1">
+              <a:schemeClr val="accent1"/>
+            </a:lnRef>
+            <a:fillRef idx="3">
+              <a:schemeClr val="accent1"/>
+            </a:fillRef>
+            <a:effectRef idx="2">
+              <a:schemeClr val="accent1"/>
+            </a:effectRef>
+            <a:fontRef idx="minor">
+              <a:schemeClr val="lt1"/>
+            </a:fontRef>
+          </p:style>
+        </p:sp>
+      </p:grpSp>
+      <p:sp>
+        <p:nvSpPr>
+          <p:cNvPr id="2" name="Title 1">
+            <a:extLst>
+              <a:ext uri="{FF2B5EF4-FFF2-40B4-BE49-F238E27FC236}">
+                <a16:creationId xmlns:a16="http://schemas.microsoft.com/office/drawing/2014/main" id="{5F48EC5F-AC00-9C01-050C-C8599577461C}"/>
+              </a:ext>
+            </a:extLst>
+          </p:cNvPr>
+          <p:cNvSpPr>
+            <a:spLocks noGrp="1"/>
+          </p:cNvSpPr>
+          <p:nvPr>
+            <p:ph type="title"/>
+          </p:nvPr>
+        </p:nvSpPr>
+        <p:spPr>
+          <a:xfrm>
+            <a:off x="5120634" y="976556"/>
+            <a:ext cx="4299666" cy="3249131"/>
+          </a:xfrm>
+        </p:spPr>
+        <p:txBody>
+          <a:bodyPr vert="horz" lIns="91440" tIns="45720" rIns="91440" bIns="45720" rtlCol="0" anchor="b">
+            <a:normAutofit/>
+          </a:bodyPr>
+          <a:lstStyle/>
+          <a:p>
+            <a:r>
+              <a:rPr lang="en-US" sz="5400" kern="1200" dirty="0">
+                <a:solidFill>
+                  <a:schemeClr val="accent1"/>
+                </a:solidFill>
+                <a:latin typeface="+mj-lt"/>
+                <a:ea typeface="+mj-ea"/>
+                <a:cs typeface="+mj-cs"/>
+              </a:rPr>
+              <a:t>Summary</a:t>
+            </a:r>
+          </a:p>
+        </p:txBody>
+      </p:sp>
+      <p:sp>
+        <p:nvSpPr>
+          <p:cNvPr id="31" name="Isosceles Triangle 30">
+            <a:extLst>
+              <a:ext uri="{FF2B5EF4-FFF2-40B4-BE49-F238E27FC236}">
+                <a16:creationId xmlns:a16="http://schemas.microsoft.com/office/drawing/2014/main" id="{5A7802B6-FF37-40CF-A7E2-6F2A0D9A91EF}"/>
+              </a:ext>
+              <a:ext uri="{C183D7F6-B498-43B3-948B-1728B52AA6E4}">
+                <adec:decorative xmlns:adec="http://schemas.microsoft.com/office/drawing/2017/decorative" val="1"/>
+              </a:ext>
+            </a:extLst>
+          </p:cNvPr>
+          <p:cNvSpPr>
+            <a:spLocks noGrp="1" noRot="1" noChangeAspect="1" noMove="1" noResize="1" noEditPoints="1" noAdjustHandles="1" noChangeArrowheads="1" noChangeShapeType="1" noTextEdit="1"/>
+          </p:cNvSpPr>
+          <p:nvPr>
+            <p:extLst>
+              <p:ext uri="{386F3935-93C4-4BCD-93E2-E3B085C9AB24}">
+                <p16:designElem xmlns:p16="http://schemas.microsoft.com/office/powerpoint/2015/main" val="1"/>
+              </p:ext>
+            </p:extLst>
+          </p:nvPr>
+        </p:nvSpPr>
+        <p:spPr>
+          <a:xfrm rot="10800000">
+            <a:off x="3174" y="12700"/>
+            <a:ext cx="842596" cy="5666154"/>
+          </a:xfrm>
+          <a:prstGeom prst="triangle">
+            <a:avLst>
+              <a:gd name="adj" fmla="val 100000"/>
+            </a:avLst>
+          </a:prstGeom>
+          <a:solidFill>
+            <a:schemeClr val="accent1">
+              <a:alpha val="85000"/>
+            </a:schemeClr>
+          </a:solidFill>
+          <a:ln>
+            <a:noFill/>
+          </a:ln>
+          <a:effectLst/>
+        </p:spPr>
+        <p:style>
+          <a:lnRef idx="1">
+            <a:schemeClr val="accent1"/>
+          </a:lnRef>
+          <a:fillRef idx="3">
+            <a:schemeClr val="accent1"/>
+          </a:fillRef>
+          <a:effectRef idx="2">
+            <a:schemeClr val="accent1"/>
+          </a:effectRef>
+          <a:fontRef idx="minor">
+            <a:schemeClr val="lt1"/>
+          </a:fontRef>
+        </p:style>
+      </p:sp>
+      <p:pic>
+        <p:nvPicPr>
+          <p:cNvPr id="16" name="Graphic 15" descr="Tick">
+            <a:extLst>
+              <a:ext uri="{FF2B5EF4-FFF2-40B4-BE49-F238E27FC236}">
+                <a16:creationId xmlns:a16="http://schemas.microsoft.com/office/drawing/2014/main" id="{63EE0304-48CF-184B-7824-E43DE07BEE10}"/>
+              </a:ext>
+            </a:extLst>
+          </p:cNvPr>
+          <p:cNvPicPr>
+            <a:picLocks noChangeAspect="1"/>
+          </p:cNvPicPr>
+          <p:nvPr/>
+        </p:nvPicPr>
+        <p:blipFill>
+          <a:blip r:embed="rId2">
+            <a:extLst>
+              <a:ext uri="{28A0092B-C50C-407E-A947-70E740481C1C}">
+                <a14:useLocalDpi xmlns:a14="http://schemas.microsoft.com/office/drawing/2010/main" val="0"/>
+              </a:ext>
+              <a:ext uri="{96DAC541-7B7A-43D3-8B79-37D633B846F1}">
+                <asvg:svgBlip xmlns:asvg="http://schemas.microsoft.com/office/drawing/2016/SVG/main" r:embed="rId3"/>
+              </a:ext>
+            </a:extLst>
+          </a:blip>
+          <a:stretch>
+            <a:fillRect/>
+          </a:stretch>
+        </p:blipFill>
+        <p:spPr>
+          <a:xfrm>
+            <a:off x="888604" y="1550139"/>
+            <a:ext cx="3765692" cy="3765692"/>
+          </a:xfrm>
+          <a:prstGeom prst="rect">
+            <a:avLst/>
+          </a:prstGeom>
+        </p:spPr>
+      </p:pic>
+    </p:spTree>
+    <p:extLst>
+      <p:ext uri="{BB962C8B-B14F-4D97-AF65-F5344CB8AC3E}">
+        <p14:creationId xmlns:p14="http://schemas.microsoft.com/office/powerpoint/2010/main" val="2382397399"/>
       </p:ext>
     </p:extLst>
   </p:cSld>
